--- a/SASS.pptx
+++ b/SASS.pptx
@@ -26,6 +26,16 @@
     <p:sldId id="274" r:id="rId20"/>
     <p:sldId id="275" r:id="rId21"/>
     <p:sldId id="276" r:id="rId22"/>
+    <p:sldId id="277" r:id="rId23"/>
+    <p:sldId id="278" r:id="rId24"/>
+    <p:sldId id="279" r:id="rId25"/>
+    <p:sldId id="280" r:id="rId26"/>
+    <p:sldId id="281" r:id="rId27"/>
+    <p:sldId id="282" r:id="rId28"/>
+    <p:sldId id="283" r:id="rId29"/>
+    <p:sldId id="284" r:id="rId30"/>
+    <p:sldId id="285" r:id="rId31"/>
+    <p:sldId id="286" r:id="rId32"/>
   </p:sldIdLst>
   <p:sldSz cx="12192000" cy="6858000"/>
   <p:notesSz cx="6858000" cy="9144000"/>
@@ -322,7 +332,7 @@
           <a:p>
             <a:fld id="{C8743019-FAB1-4FBC-82B3-B9BB78B69C50}" type="datetimeFigureOut">
               <a:rPr lang="en-US" smtClean="0"/>
-              <a:t>26/11/2017</a:t>
+              <a:t>27/11/2017</a:t>
             </a:fld>
             <a:endParaRPr lang="en-US"/>
           </a:p>
@@ -597,7 +607,7 @@
           <a:p>
             <a:fld id="{C8743019-FAB1-4FBC-82B3-B9BB78B69C50}" type="datetimeFigureOut">
               <a:rPr lang="en-US" smtClean="0"/>
-              <a:t>26/11/2017</a:t>
+              <a:t>27/11/2017</a:t>
             </a:fld>
             <a:endParaRPr lang="en-US"/>
           </a:p>
@@ -791,7 +801,7 @@
           <a:p>
             <a:fld id="{C8743019-FAB1-4FBC-82B3-B9BB78B69C50}" type="datetimeFigureOut">
               <a:rPr lang="en-US" smtClean="0"/>
-              <a:t>26/11/2017</a:t>
+              <a:t>27/11/2017</a:t>
             </a:fld>
             <a:endParaRPr lang="en-US"/>
           </a:p>
@@ -1064,7 +1074,7 @@
           <a:p>
             <a:fld id="{C8743019-FAB1-4FBC-82B3-B9BB78B69C50}" type="datetimeFigureOut">
               <a:rPr lang="en-US" smtClean="0"/>
-              <a:t>26/11/2017</a:t>
+              <a:t>27/11/2017</a:t>
             </a:fld>
             <a:endParaRPr lang="en-US"/>
           </a:p>
@@ -1405,7 +1415,7 @@
           <a:p>
             <a:fld id="{C8743019-FAB1-4FBC-82B3-B9BB78B69C50}" type="datetimeFigureOut">
               <a:rPr lang="en-US" smtClean="0"/>
-              <a:t>26/11/2017</a:t>
+              <a:t>27/11/2017</a:t>
             </a:fld>
             <a:endParaRPr lang="en-US"/>
           </a:p>
@@ -2028,7 +2038,7 @@
           <a:p>
             <a:fld id="{C8743019-FAB1-4FBC-82B3-B9BB78B69C50}" type="datetimeFigureOut">
               <a:rPr lang="en-US" smtClean="0"/>
-              <a:t>26/11/2017</a:t>
+              <a:t>27/11/2017</a:t>
             </a:fld>
             <a:endParaRPr lang="en-US"/>
           </a:p>
@@ -2888,7 +2898,7 @@
           <a:p>
             <a:fld id="{C8743019-FAB1-4FBC-82B3-B9BB78B69C50}" type="datetimeFigureOut">
               <a:rPr lang="en-US" smtClean="0"/>
-              <a:t>26/11/2017</a:t>
+              <a:t>27/11/2017</a:t>
             </a:fld>
             <a:endParaRPr lang="en-US"/>
           </a:p>
@@ -3058,7 +3068,7 @@
           <a:p>
             <a:fld id="{C8743019-FAB1-4FBC-82B3-B9BB78B69C50}" type="datetimeFigureOut">
               <a:rPr lang="en-US" smtClean="0"/>
-              <a:t>26/11/2017</a:t>
+              <a:t>27/11/2017</a:t>
             </a:fld>
             <a:endParaRPr lang="en-US"/>
           </a:p>
@@ -3238,7 +3248,7 @@
           <a:p>
             <a:fld id="{C8743019-FAB1-4FBC-82B3-B9BB78B69C50}" type="datetimeFigureOut">
               <a:rPr lang="en-US" smtClean="0"/>
-              <a:t>26/11/2017</a:t>
+              <a:t>27/11/2017</a:t>
             </a:fld>
             <a:endParaRPr lang="en-US"/>
           </a:p>
@@ -3408,7 +3418,7 @@
           <a:p>
             <a:fld id="{C8743019-FAB1-4FBC-82B3-B9BB78B69C50}" type="datetimeFigureOut">
               <a:rPr lang="en-US" smtClean="0"/>
-              <a:t>26/11/2017</a:t>
+              <a:t>27/11/2017</a:t>
             </a:fld>
             <a:endParaRPr lang="en-US"/>
           </a:p>
@@ -3655,7 +3665,7 @@
           <a:p>
             <a:fld id="{C8743019-FAB1-4FBC-82B3-B9BB78B69C50}" type="datetimeFigureOut">
               <a:rPr lang="en-US" smtClean="0"/>
-              <a:t>26/11/2017</a:t>
+              <a:t>27/11/2017</a:t>
             </a:fld>
             <a:endParaRPr lang="en-US"/>
           </a:p>
@@ -3947,7 +3957,7 @@
           <a:p>
             <a:fld id="{C8743019-FAB1-4FBC-82B3-B9BB78B69C50}" type="datetimeFigureOut">
               <a:rPr lang="en-US" smtClean="0"/>
-              <a:t>26/11/2017</a:t>
+              <a:t>27/11/2017</a:t>
             </a:fld>
             <a:endParaRPr lang="en-US"/>
           </a:p>
@@ -4391,7 +4401,7 @@
           <a:p>
             <a:fld id="{C8743019-FAB1-4FBC-82B3-B9BB78B69C50}" type="datetimeFigureOut">
               <a:rPr lang="en-US" smtClean="0"/>
-              <a:t>26/11/2017</a:t>
+              <a:t>27/11/2017</a:t>
             </a:fld>
             <a:endParaRPr lang="en-US"/>
           </a:p>
@@ -4509,7 +4519,7 @@
           <a:p>
             <a:fld id="{C8743019-FAB1-4FBC-82B3-B9BB78B69C50}" type="datetimeFigureOut">
               <a:rPr lang="en-US" smtClean="0"/>
-              <a:t>26/11/2017</a:t>
+              <a:t>27/11/2017</a:t>
             </a:fld>
             <a:endParaRPr lang="en-US"/>
           </a:p>
@@ -4604,7 +4614,7 @@
           <a:p>
             <a:fld id="{C8743019-FAB1-4FBC-82B3-B9BB78B69C50}" type="datetimeFigureOut">
               <a:rPr lang="en-US" smtClean="0"/>
-              <a:t>26/11/2017</a:t>
+              <a:t>27/11/2017</a:t>
             </a:fld>
             <a:endParaRPr lang="en-US"/>
           </a:p>
@@ -4883,7 +4893,7 @@
           <a:p>
             <a:fld id="{C8743019-FAB1-4FBC-82B3-B9BB78B69C50}" type="datetimeFigureOut">
               <a:rPr lang="en-US" smtClean="0"/>
-              <a:t>26/11/2017</a:t>
+              <a:t>27/11/2017</a:t>
             </a:fld>
             <a:endParaRPr lang="en-US"/>
           </a:p>
@@ -5158,7 +5168,7 @@
           <a:p>
             <a:fld id="{C8743019-FAB1-4FBC-82B3-B9BB78B69C50}" type="datetimeFigureOut">
               <a:rPr lang="en-US" smtClean="0"/>
-              <a:t>26/11/2017</a:t>
+              <a:t>27/11/2017</a:t>
             </a:fld>
             <a:endParaRPr lang="en-US"/>
           </a:p>
@@ -5587,7 +5597,7 @@
           <a:p>
             <a:fld id="{C8743019-FAB1-4FBC-82B3-B9BB78B69C50}" type="datetimeFigureOut">
               <a:rPr lang="en-US" smtClean="0"/>
-              <a:t>26/11/2017</a:t>
+              <a:t>27/11/2017</a:t>
             </a:fld>
             <a:endParaRPr lang="en-US"/>
           </a:p>
@@ -8401,6 +8411,1167 @@
 </p:sld>
 </file>
 
+<file path=ppt/slides/slide22.xml><?xml version="1.0" encoding="utf-8"?>
+<p:sld xmlns:a="http://schemas.openxmlformats.org/drawingml/2006/main" xmlns:r="http://schemas.openxmlformats.org/officeDocument/2006/relationships" xmlns:p="http://schemas.openxmlformats.org/presentationml/2006/main">
+  <p:cSld>
+    <p:spTree>
+      <p:nvGrpSpPr>
+        <p:cNvPr id="1" name=""/>
+        <p:cNvGrpSpPr/>
+        <p:nvPr/>
+      </p:nvGrpSpPr>
+      <p:grpSpPr>
+        <a:xfrm>
+          <a:off x="0" y="0"/>
+          <a:ext cx="0" cy="0"/>
+          <a:chOff x="0" y="0"/>
+          <a:chExt cx="0" cy="0"/>
+        </a:xfrm>
+      </p:grpSpPr>
+      <p:sp>
+        <p:nvSpPr>
+          <p:cNvPr id="2" name="Title 1">
+            <a:extLst>
+              <a:ext uri="{FF2B5EF4-FFF2-40B4-BE49-F238E27FC236}">
+                <a16:creationId xmlns:a16="http://schemas.microsoft.com/office/drawing/2014/main" id="{0C8EED7A-97F3-4606-9A51-E9A84FAB1ABC}"/>
+              </a:ext>
+            </a:extLst>
+          </p:cNvPr>
+          <p:cNvSpPr>
+            <a:spLocks noGrp="1"/>
+          </p:cNvSpPr>
+          <p:nvPr>
+            <p:ph type="title"/>
+          </p:nvPr>
+        </p:nvSpPr>
+        <p:spPr/>
+        <p:txBody>
+          <a:bodyPr/>
+          <a:lstStyle/>
+          <a:p>
+            <a:r>
+              <a:rPr lang="en-US">
+                <a:latin typeface="Times New Roman" panose="02020603050405020304" pitchFamily="18" charset="0"/>
+                <a:cs typeface="Times New Roman" panose="02020603050405020304" pitchFamily="18" charset="0"/>
+              </a:rPr>
+              <a:t>5. Function</a:t>
+            </a:r>
+          </a:p>
+        </p:txBody>
+      </p:sp>
+      <p:sp>
+        <p:nvSpPr>
+          <p:cNvPr id="3" name="Content Placeholder 2">
+            <a:extLst>
+              <a:ext uri="{FF2B5EF4-FFF2-40B4-BE49-F238E27FC236}">
+                <a16:creationId xmlns:a16="http://schemas.microsoft.com/office/drawing/2014/main" id="{09750AEA-E00E-48C5-91CB-10DE180A2351}"/>
+              </a:ext>
+            </a:extLst>
+          </p:cNvPr>
+          <p:cNvSpPr>
+            <a:spLocks noGrp="1"/>
+          </p:cNvSpPr>
+          <p:nvPr>
+            <p:ph idx="1"/>
+          </p:nvPr>
+        </p:nvSpPr>
+        <p:spPr>
+          <a:xfrm>
+            <a:off x="1103312" y="2052918"/>
+            <a:ext cx="9683057" cy="4195481"/>
+          </a:xfrm>
+        </p:spPr>
+        <p:txBody>
+          <a:bodyPr/>
+          <a:lstStyle/>
+          <a:p>
+            <a:r>
+              <a:rPr lang="en-US">
+                <a:latin typeface="Times New Roman" panose="02020603050405020304" pitchFamily="18" charset="0"/>
+                <a:cs typeface="Times New Roman" panose="02020603050405020304" pitchFamily="18" charset="0"/>
+              </a:rPr>
+              <a:t>Tạo function ( có input và output )</a:t>
+            </a:r>
+          </a:p>
+          <a:p>
+            <a:r>
+              <a:rPr lang="en-US">
+                <a:latin typeface="Times New Roman" panose="02020603050405020304" pitchFamily="18" charset="0"/>
+                <a:cs typeface="Times New Roman" panose="02020603050405020304" pitchFamily="18" charset="0"/>
+              </a:rPr>
+              <a:t>Dùng Built-in Function : </a:t>
+            </a:r>
+            <a:r>
+              <a:rPr lang="en-US">
+                <a:latin typeface="Times New Roman" panose="02020603050405020304" pitchFamily="18" charset="0"/>
+                <a:cs typeface="Times New Roman" panose="02020603050405020304" pitchFamily="18" charset="0"/>
+                <a:hlinkClick r:id="rId2"/>
+              </a:rPr>
+              <a:t>http://sass-lang.com/documentation/Sass/Script/Functions.html</a:t>
+            </a:r>
+            <a:endParaRPr lang="en-US">
+              <a:latin typeface="Times New Roman" panose="02020603050405020304" pitchFamily="18" charset="0"/>
+              <a:cs typeface="Times New Roman" panose="02020603050405020304" pitchFamily="18" charset="0"/>
+            </a:endParaRPr>
+          </a:p>
+          <a:p>
+            <a:pPr lvl="1"/>
+            <a:endParaRPr lang="en-US">
+              <a:latin typeface="Times New Roman" panose="02020603050405020304" pitchFamily="18" charset="0"/>
+              <a:cs typeface="Times New Roman" panose="02020603050405020304" pitchFamily="18" charset="0"/>
+            </a:endParaRPr>
+          </a:p>
+          <a:p>
+            <a:endParaRPr lang="en-US">
+              <a:latin typeface="Times New Roman" panose="02020603050405020304" pitchFamily="18" charset="0"/>
+              <a:cs typeface="Times New Roman" panose="02020603050405020304" pitchFamily="18" charset="0"/>
+            </a:endParaRPr>
+          </a:p>
+          <a:p>
+            <a:endParaRPr lang="en-US">
+              <a:latin typeface="Times New Roman" panose="02020603050405020304" pitchFamily="18" charset="0"/>
+              <a:cs typeface="Times New Roman" panose="02020603050405020304" pitchFamily="18" charset="0"/>
+            </a:endParaRPr>
+          </a:p>
+        </p:txBody>
+      </p:sp>
+      <p:pic>
+        <p:nvPicPr>
+          <p:cNvPr id="4" name="Picture 3">
+            <a:extLst>
+              <a:ext uri="{FF2B5EF4-FFF2-40B4-BE49-F238E27FC236}">
+                <a16:creationId xmlns:a16="http://schemas.microsoft.com/office/drawing/2014/main" id="{8CC51405-1B3A-4E3F-BBAC-2483496FD492}"/>
+              </a:ext>
+            </a:extLst>
+          </p:cNvPr>
+          <p:cNvPicPr>
+            <a:picLocks noChangeAspect="1"/>
+          </p:cNvPicPr>
+          <p:nvPr/>
+        </p:nvPicPr>
+        <p:blipFill>
+          <a:blip r:embed="rId3"/>
+          <a:stretch>
+            <a:fillRect/>
+          </a:stretch>
+        </p:blipFill>
+        <p:spPr>
+          <a:xfrm>
+            <a:off x="6681555" y="3841846"/>
+            <a:ext cx="5317095" cy="2896305"/>
+          </a:xfrm>
+          <a:prstGeom prst="rect">
+            <a:avLst/>
+          </a:prstGeom>
+        </p:spPr>
+      </p:pic>
+    </p:spTree>
+    <p:extLst>
+      <p:ext uri="{BB962C8B-B14F-4D97-AF65-F5344CB8AC3E}">
+        <p14:creationId xmlns:p14="http://schemas.microsoft.com/office/powerpoint/2010/main" val="3551844637"/>
+      </p:ext>
+    </p:extLst>
+  </p:cSld>
+  <p:clrMapOvr>
+    <a:masterClrMapping/>
+  </p:clrMapOvr>
+</p:sld>
+</file>
+
+<file path=ppt/slides/slide23.xml><?xml version="1.0" encoding="utf-8"?>
+<p:sld xmlns:a="http://schemas.openxmlformats.org/drawingml/2006/main" xmlns:r="http://schemas.openxmlformats.org/officeDocument/2006/relationships" xmlns:p="http://schemas.openxmlformats.org/presentationml/2006/main">
+  <p:cSld>
+    <p:spTree>
+      <p:nvGrpSpPr>
+        <p:cNvPr id="1" name=""/>
+        <p:cNvGrpSpPr/>
+        <p:nvPr/>
+      </p:nvGrpSpPr>
+      <p:grpSpPr>
+        <a:xfrm>
+          <a:off x="0" y="0"/>
+          <a:ext cx="0" cy="0"/>
+          <a:chOff x="0" y="0"/>
+          <a:chExt cx="0" cy="0"/>
+        </a:xfrm>
+      </p:grpSpPr>
+      <p:sp>
+        <p:nvSpPr>
+          <p:cNvPr id="2" name="Title 1">
+            <a:extLst>
+              <a:ext uri="{FF2B5EF4-FFF2-40B4-BE49-F238E27FC236}">
+                <a16:creationId xmlns:a16="http://schemas.microsoft.com/office/drawing/2014/main" id="{0C8EED7A-97F3-4606-9A51-E9A84FAB1ABC}"/>
+              </a:ext>
+            </a:extLst>
+          </p:cNvPr>
+          <p:cNvSpPr>
+            <a:spLocks noGrp="1"/>
+          </p:cNvSpPr>
+          <p:nvPr>
+            <p:ph type="title"/>
+          </p:nvPr>
+        </p:nvSpPr>
+        <p:spPr/>
+        <p:txBody>
+          <a:bodyPr/>
+          <a:lstStyle/>
+          <a:p>
+            <a:r>
+              <a:rPr lang="en-US">
+                <a:latin typeface="Times New Roman" panose="02020603050405020304" pitchFamily="18" charset="0"/>
+                <a:cs typeface="Times New Roman" panose="02020603050405020304" pitchFamily="18" charset="0"/>
+              </a:rPr>
+              <a:t>5. Import</a:t>
+            </a:r>
+          </a:p>
+        </p:txBody>
+      </p:sp>
+      <p:sp>
+        <p:nvSpPr>
+          <p:cNvPr id="3" name="Content Placeholder 2">
+            <a:extLst>
+              <a:ext uri="{FF2B5EF4-FFF2-40B4-BE49-F238E27FC236}">
+                <a16:creationId xmlns:a16="http://schemas.microsoft.com/office/drawing/2014/main" id="{09750AEA-E00E-48C5-91CB-10DE180A2351}"/>
+              </a:ext>
+            </a:extLst>
+          </p:cNvPr>
+          <p:cNvSpPr>
+            <a:spLocks noGrp="1"/>
+          </p:cNvSpPr>
+          <p:nvPr>
+            <p:ph idx="1"/>
+          </p:nvPr>
+        </p:nvSpPr>
+        <p:spPr>
+          <a:xfrm>
+            <a:off x="1103312" y="2052918"/>
+            <a:ext cx="9683057" cy="4195481"/>
+          </a:xfrm>
+        </p:spPr>
+        <p:txBody>
+          <a:bodyPr/>
+          <a:lstStyle/>
+          <a:p>
+            <a:r>
+              <a:rPr lang="en-US">
+                <a:latin typeface="Times New Roman" panose="02020603050405020304" pitchFamily="18" charset="0"/>
+                <a:cs typeface="Times New Roman" panose="02020603050405020304" pitchFamily="18" charset="0"/>
+              </a:rPr>
+              <a:t>Từ khóa : </a:t>
+            </a:r>
+            <a:r>
+              <a:rPr lang="en-US" b="1">
+                <a:latin typeface="Times New Roman" panose="02020603050405020304" pitchFamily="18" charset="0"/>
+                <a:cs typeface="Times New Roman" panose="02020603050405020304" pitchFamily="18" charset="0"/>
+              </a:rPr>
+              <a:t>@import</a:t>
+            </a:r>
+          </a:p>
+          <a:p>
+            <a:r>
+              <a:rPr lang="en-US">
+                <a:latin typeface="Times New Roman" panose="02020603050405020304" pitchFamily="18" charset="0"/>
+                <a:cs typeface="Times New Roman" panose="02020603050405020304" pitchFamily="18" charset="0"/>
+              </a:rPr>
+              <a:t>Chức năng : để gộp các file .scss lại với nhau.</a:t>
+            </a:r>
+          </a:p>
+          <a:p>
+            <a:r>
+              <a:rPr lang="en-US">
+                <a:latin typeface="Times New Roman" panose="02020603050405020304" pitchFamily="18" charset="0"/>
+                <a:cs typeface="Times New Roman" panose="02020603050405020304" pitchFamily="18" charset="0"/>
+              </a:rPr>
+              <a:t>Lưu ý : không nên biên dịch các file chứa phần khai báo ( imported ). </a:t>
+            </a:r>
+          </a:p>
+          <a:p>
+            <a:pPr lvl="1"/>
+            <a:r>
+              <a:rPr lang="en-US">
+                <a:latin typeface="Times New Roman" panose="02020603050405020304" pitchFamily="18" charset="0"/>
+                <a:cs typeface="Times New Roman" panose="02020603050405020304" pitchFamily="18" charset="0"/>
+              </a:rPr>
+              <a:t>Cú pháp thêm dấu </a:t>
+            </a:r>
+            <a:r>
+              <a:rPr lang="en-US" b="1">
+                <a:latin typeface="Times New Roman" panose="02020603050405020304" pitchFamily="18" charset="0"/>
+                <a:cs typeface="Times New Roman" panose="02020603050405020304" pitchFamily="18" charset="0"/>
+              </a:rPr>
+              <a:t>_ </a:t>
+            </a:r>
+            <a:r>
+              <a:rPr lang="en-US">
+                <a:latin typeface="Times New Roman" panose="02020603050405020304" pitchFamily="18" charset="0"/>
+                <a:cs typeface="Times New Roman" panose="02020603050405020304" pitchFamily="18" charset="0"/>
+              </a:rPr>
+              <a:t>( dấu shift + - )</a:t>
+            </a:r>
+            <a:endParaRPr lang="en-US" b="1">
+              <a:latin typeface="Times New Roman" panose="02020603050405020304" pitchFamily="18" charset="0"/>
+              <a:cs typeface="Times New Roman" panose="02020603050405020304" pitchFamily="18" charset="0"/>
+            </a:endParaRPr>
+          </a:p>
+          <a:p>
+            <a:endParaRPr lang="en-US">
+              <a:latin typeface="Times New Roman" panose="02020603050405020304" pitchFamily="18" charset="0"/>
+              <a:cs typeface="Times New Roman" panose="02020603050405020304" pitchFamily="18" charset="0"/>
+            </a:endParaRPr>
+          </a:p>
+          <a:p>
+            <a:endParaRPr lang="en-US">
+              <a:latin typeface="Times New Roman" panose="02020603050405020304" pitchFamily="18" charset="0"/>
+              <a:cs typeface="Times New Roman" panose="02020603050405020304" pitchFamily="18" charset="0"/>
+            </a:endParaRPr>
+          </a:p>
+        </p:txBody>
+      </p:sp>
+    </p:spTree>
+    <p:extLst>
+      <p:ext uri="{BB962C8B-B14F-4D97-AF65-F5344CB8AC3E}">
+        <p14:creationId xmlns:p14="http://schemas.microsoft.com/office/powerpoint/2010/main" val="1385763179"/>
+      </p:ext>
+    </p:extLst>
+  </p:cSld>
+  <p:clrMapOvr>
+    <a:masterClrMapping/>
+  </p:clrMapOvr>
+</p:sld>
+</file>
+
+<file path=ppt/slides/slide24.xml><?xml version="1.0" encoding="utf-8"?>
+<p:sld xmlns:a="http://schemas.openxmlformats.org/drawingml/2006/main" xmlns:r="http://schemas.openxmlformats.org/officeDocument/2006/relationships" xmlns:p="http://schemas.openxmlformats.org/presentationml/2006/main">
+  <p:cSld>
+    <p:spTree>
+      <p:nvGrpSpPr>
+        <p:cNvPr id="1" name=""/>
+        <p:cNvGrpSpPr/>
+        <p:nvPr/>
+      </p:nvGrpSpPr>
+      <p:grpSpPr>
+        <a:xfrm>
+          <a:off x="0" y="0"/>
+          <a:ext cx="0" cy="0"/>
+          <a:chOff x="0" y="0"/>
+          <a:chExt cx="0" cy="0"/>
+        </a:xfrm>
+      </p:grpSpPr>
+      <p:sp>
+        <p:nvSpPr>
+          <p:cNvPr id="2" name="Title 1">
+            <a:extLst>
+              <a:ext uri="{FF2B5EF4-FFF2-40B4-BE49-F238E27FC236}">
+                <a16:creationId xmlns:a16="http://schemas.microsoft.com/office/drawing/2014/main" id="{0C8EED7A-97F3-4606-9A51-E9A84FAB1ABC}"/>
+              </a:ext>
+            </a:extLst>
+          </p:cNvPr>
+          <p:cNvSpPr>
+            <a:spLocks noGrp="1"/>
+          </p:cNvSpPr>
+          <p:nvPr>
+            <p:ph type="title"/>
+          </p:nvPr>
+        </p:nvSpPr>
+        <p:spPr/>
+        <p:txBody>
+          <a:bodyPr/>
+          <a:lstStyle/>
+          <a:p>
+            <a:r>
+              <a:rPr lang="en-US">
+                <a:latin typeface="Times New Roman" panose="02020603050405020304" pitchFamily="18" charset="0"/>
+                <a:cs typeface="Times New Roman" panose="02020603050405020304" pitchFamily="18" charset="0"/>
+              </a:rPr>
+              <a:t>6. Media</a:t>
+            </a:r>
+          </a:p>
+        </p:txBody>
+      </p:sp>
+      <p:sp>
+        <p:nvSpPr>
+          <p:cNvPr id="3" name="Content Placeholder 2">
+            <a:extLst>
+              <a:ext uri="{FF2B5EF4-FFF2-40B4-BE49-F238E27FC236}">
+                <a16:creationId xmlns:a16="http://schemas.microsoft.com/office/drawing/2014/main" id="{09750AEA-E00E-48C5-91CB-10DE180A2351}"/>
+              </a:ext>
+            </a:extLst>
+          </p:cNvPr>
+          <p:cNvSpPr>
+            <a:spLocks noGrp="1"/>
+          </p:cNvSpPr>
+          <p:nvPr>
+            <p:ph idx="1"/>
+          </p:nvPr>
+        </p:nvSpPr>
+        <p:spPr>
+          <a:xfrm>
+            <a:off x="1103312" y="2052918"/>
+            <a:ext cx="9683057" cy="4195481"/>
+          </a:xfrm>
+        </p:spPr>
+        <p:txBody>
+          <a:bodyPr/>
+          <a:lstStyle/>
+          <a:p>
+            <a:r>
+              <a:rPr lang="en-US">
+                <a:latin typeface="Times New Roman" panose="02020603050405020304" pitchFamily="18" charset="0"/>
+                <a:cs typeface="Times New Roman" panose="02020603050405020304" pitchFamily="18" charset="0"/>
+              </a:rPr>
+              <a:t>Từ khóa : </a:t>
+            </a:r>
+            <a:r>
+              <a:rPr lang="en-US" b="1">
+                <a:latin typeface="Times New Roman" panose="02020603050405020304" pitchFamily="18" charset="0"/>
+                <a:cs typeface="Times New Roman" panose="02020603050405020304" pitchFamily="18" charset="0"/>
+              </a:rPr>
+              <a:t>@media</a:t>
+            </a:r>
+          </a:p>
+          <a:p>
+            <a:r>
+              <a:rPr lang="en-US">
+                <a:latin typeface="Times New Roman" panose="02020603050405020304" pitchFamily="18" charset="0"/>
+                <a:cs typeface="Times New Roman" panose="02020603050405020304" pitchFamily="18" charset="0"/>
+              </a:rPr>
+              <a:t>T</a:t>
+            </a:r>
+            <a:r>
+              <a:rPr lang="vi-VN">
+                <a:latin typeface="Times New Roman" panose="02020603050405020304" pitchFamily="18" charset="0"/>
+                <a:cs typeface="Times New Roman" panose="02020603050405020304" pitchFamily="18" charset="0"/>
+              </a:rPr>
+              <a:t>ư</a:t>
+            </a:r>
+            <a:r>
+              <a:rPr lang="en-US">
+                <a:latin typeface="Times New Roman" panose="02020603050405020304" pitchFamily="18" charset="0"/>
+                <a:cs typeface="Times New Roman" panose="02020603050405020304" pitchFamily="18" charset="0"/>
+              </a:rPr>
+              <a:t>ơng tự Responsive Web Design</a:t>
+            </a:r>
+          </a:p>
+          <a:p>
+            <a:endParaRPr lang="en-US">
+              <a:latin typeface="Times New Roman" panose="02020603050405020304" pitchFamily="18" charset="0"/>
+              <a:cs typeface="Times New Roman" panose="02020603050405020304" pitchFamily="18" charset="0"/>
+            </a:endParaRPr>
+          </a:p>
+          <a:p>
+            <a:endParaRPr lang="en-US">
+              <a:latin typeface="Times New Roman" panose="02020603050405020304" pitchFamily="18" charset="0"/>
+              <a:cs typeface="Times New Roman" panose="02020603050405020304" pitchFamily="18" charset="0"/>
+            </a:endParaRPr>
+          </a:p>
+        </p:txBody>
+      </p:sp>
+    </p:spTree>
+    <p:extLst>
+      <p:ext uri="{BB962C8B-B14F-4D97-AF65-F5344CB8AC3E}">
+        <p14:creationId xmlns:p14="http://schemas.microsoft.com/office/powerpoint/2010/main" val="3892909898"/>
+      </p:ext>
+    </p:extLst>
+  </p:cSld>
+  <p:clrMapOvr>
+    <a:masterClrMapping/>
+  </p:clrMapOvr>
+</p:sld>
+</file>
+
+<file path=ppt/slides/slide25.xml><?xml version="1.0" encoding="utf-8"?>
+<p:sld xmlns:a="http://schemas.openxmlformats.org/drawingml/2006/main" xmlns:r="http://schemas.openxmlformats.org/officeDocument/2006/relationships" xmlns:p="http://schemas.openxmlformats.org/presentationml/2006/main">
+  <p:cSld>
+    <p:spTree>
+      <p:nvGrpSpPr>
+        <p:cNvPr id="1" name=""/>
+        <p:cNvGrpSpPr/>
+        <p:nvPr/>
+      </p:nvGrpSpPr>
+      <p:grpSpPr>
+        <a:xfrm>
+          <a:off x="0" y="0"/>
+          <a:ext cx="0" cy="0"/>
+          <a:chOff x="0" y="0"/>
+          <a:chExt cx="0" cy="0"/>
+        </a:xfrm>
+      </p:grpSpPr>
+      <p:sp>
+        <p:nvSpPr>
+          <p:cNvPr id="2" name="Title 1">
+            <a:extLst>
+              <a:ext uri="{FF2B5EF4-FFF2-40B4-BE49-F238E27FC236}">
+                <a16:creationId xmlns:a16="http://schemas.microsoft.com/office/drawing/2014/main" id="{0C8EED7A-97F3-4606-9A51-E9A84FAB1ABC}"/>
+              </a:ext>
+            </a:extLst>
+          </p:cNvPr>
+          <p:cNvSpPr>
+            <a:spLocks noGrp="1"/>
+          </p:cNvSpPr>
+          <p:nvPr>
+            <p:ph type="title"/>
+          </p:nvPr>
+        </p:nvSpPr>
+        <p:spPr/>
+        <p:txBody>
+          <a:bodyPr/>
+          <a:lstStyle/>
+          <a:p>
+            <a:r>
+              <a:rPr lang="en-US">
+                <a:latin typeface="Times New Roman" panose="02020603050405020304" pitchFamily="18" charset="0"/>
+                <a:cs typeface="Times New Roman" panose="02020603050405020304" pitchFamily="18" charset="0"/>
+              </a:rPr>
+              <a:t>7. Extend</a:t>
+            </a:r>
+          </a:p>
+        </p:txBody>
+      </p:sp>
+      <p:sp>
+        <p:nvSpPr>
+          <p:cNvPr id="3" name="Content Placeholder 2">
+            <a:extLst>
+              <a:ext uri="{FF2B5EF4-FFF2-40B4-BE49-F238E27FC236}">
+                <a16:creationId xmlns:a16="http://schemas.microsoft.com/office/drawing/2014/main" id="{09750AEA-E00E-48C5-91CB-10DE180A2351}"/>
+              </a:ext>
+            </a:extLst>
+          </p:cNvPr>
+          <p:cNvSpPr>
+            <a:spLocks noGrp="1"/>
+          </p:cNvSpPr>
+          <p:nvPr>
+            <p:ph idx="1"/>
+          </p:nvPr>
+        </p:nvSpPr>
+        <p:spPr>
+          <a:xfrm>
+            <a:off x="1103312" y="2052918"/>
+            <a:ext cx="9683057" cy="4195481"/>
+          </a:xfrm>
+        </p:spPr>
+        <p:txBody>
+          <a:bodyPr/>
+          <a:lstStyle/>
+          <a:p>
+            <a:r>
+              <a:rPr lang="en-US">
+                <a:latin typeface="Times New Roman" panose="02020603050405020304" pitchFamily="18" charset="0"/>
+                <a:cs typeface="Times New Roman" panose="02020603050405020304" pitchFamily="18" charset="0"/>
+              </a:rPr>
+              <a:t>Từ khóa : </a:t>
+            </a:r>
+            <a:r>
+              <a:rPr lang="en-US" b="1">
+                <a:latin typeface="Times New Roman" panose="02020603050405020304" pitchFamily="18" charset="0"/>
+                <a:cs typeface="Times New Roman" panose="02020603050405020304" pitchFamily="18" charset="0"/>
+              </a:rPr>
+              <a:t>@extend</a:t>
+            </a:r>
+          </a:p>
+          <a:p>
+            <a:r>
+              <a:rPr lang="en-US">
+                <a:latin typeface="Times New Roman" panose="02020603050405020304" pitchFamily="18" charset="0"/>
+                <a:cs typeface="Times New Roman" panose="02020603050405020304" pitchFamily="18" charset="0"/>
+              </a:rPr>
+              <a:t>Mục đích : tái sử dụng lại những gì viết tr</a:t>
+            </a:r>
+            <a:r>
+              <a:rPr lang="vi-VN">
+                <a:latin typeface="Times New Roman" panose="02020603050405020304" pitchFamily="18" charset="0"/>
+                <a:cs typeface="Times New Roman" panose="02020603050405020304" pitchFamily="18" charset="0"/>
+              </a:rPr>
+              <a:t>ư</a:t>
+            </a:r>
+            <a:r>
+              <a:rPr lang="en-US">
+                <a:latin typeface="Times New Roman" panose="02020603050405020304" pitchFamily="18" charset="0"/>
+                <a:cs typeface="Times New Roman" panose="02020603050405020304" pitchFamily="18" charset="0"/>
+              </a:rPr>
+              <a:t>ớc đó.</a:t>
+            </a:r>
+          </a:p>
+          <a:p>
+            <a:r>
+              <a:rPr lang="en-US">
+                <a:latin typeface="Times New Roman" panose="02020603050405020304" pitchFamily="18" charset="0"/>
+                <a:cs typeface="Times New Roman" panose="02020603050405020304" pitchFamily="18" charset="0"/>
+              </a:rPr>
+              <a:t>Có 2 loại extend : </a:t>
+            </a:r>
+            <a:r>
+              <a:rPr lang="en-US" b="1">
+                <a:latin typeface="Times New Roman" panose="02020603050405020304" pitchFamily="18" charset="0"/>
+                <a:cs typeface="Times New Roman" panose="02020603050405020304" pitchFamily="18" charset="0"/>
+              </a:rPr>
+              <a:t>Đơn </a:t>
+            </a:r>
+            <a:r>
+              <a:rPr lang="en-US">
+                <a:latin typeface="Times New Roman" panose="02020603050405020304" pitchFamily="18" charset="0"/>
+                <a:cs typeface="Times New Roman" panose="02020603050405020304" pitchFamily="18" charset="0"/>
+              </a:rPr>
+              <a:t>&amp; </a:t>
+            </a:r>
+            <a:r>
+              <a:rPr lang="en-US" b="1">
+                <a:latin typeface="Times New Roman" panose="02020603050405020304" pitchFamily="18" charset="0"/>
+                <a:cs typeface="Times New Roman" panose="02020603050405020304" pitchFamily="18" charset="0"/>
+              </a:rPr>
+              <a:t>Đa</a:t>
+            </a:r>
+            <a:endParaRPr lang="en-US">
+              <a:latin typeface="Times New Roman" panose="02020603050405020304" pitchFamily="18" charset="0"/>
+              <a:cs typeface="Times New Roman" panose="02020603050405020304" pitchFamily="18" charset="0"/>
+            </a:endParaRPr>
+          </a:p>
+          <a:p>
+            <a:endParaRPr lang="en-US">
+              <a:latin typeface="Times New Roman" panose="02020603050405020304" pitchFamily="18" charset="0"/>
+              <a:cs typeface="Times New Roman" panose="02020603050405020304" pitchFamily="18" charset="0"/>
+            </a:endParaRPr>
+          </a:p>
+        </p:txBody>
+      </p:sp>
+      <p:pic>
+        <p:nvPicPr>
+          <p:cNvPr id="4" name="Picture 3">
+            <a:extLst>
+              <a:ext uri="{FF2B5EF4-FFF2-40B4-BE49-F238E27FC236}">
+                <a16:creationId xmlns:a16="http://schemas.microsoft.com/office/drawing/2014/main" id="{AC5B591E-DF26-4046-94C5-169F6E2A8C7E}"/>
+              </a:ext>
+            </a:extLst>
+          </p:cNvPr>
+          <p:cNvPicPr>
+            <a:picLocks noChangeAspect="1"/>
+          </p:cNvPicPr>
+          <p:nvPr/>
+        </p:nvPicPr>
+        <p:blipFill>
+          <a:blip r:embed="rId2"/>
+          <a:stretch>
+            <a:fillRect/>
+          </a:stretch>
+        </p:blipFill>
+        <p:spPr>
+          <a:xfrm>
+            <a:off x="7158962" y="2052918"/>
+            <a:ext cx="3857625" cy="2457450"/>
+          </a:xfrm>
+          <a:prstGeom prst="rect">
+            <a:avLst/>
+          </a:prstGeom>
+        </p:spPr>
+      </p:pic>
+    </p:spTree>
+    <p:extLst>
+      <p:ext uri="{BB962C8B-B14F-4D97-AF65-F5344CB8AC3E}">
+        <p14:creationId xmlns:p14="http://schemas.microsoft.com/office/powerpoint/2010/main" val="1315562782"/>
+      </p:ext>
+    </p:extLst>
+  </p:cSld>
+  <p:clrMapOvr>
+    <a:masterClrMapping/>
+  </p:clrMapOvr>
+</p:sld>
+</file>
+
+<file path=ppt/slides/slide26.xml><?xml version="1.0" encoding="utf-8"?>
+<p:sld xmlns:a="http://schemas.openxmlformats.org/drawingml/2006/main" xmlns:r="http://schemas.openxmlformats.org/officeDocument/2006/relationships" xmlns:p="http://schemas.openxmlformats.org/presentationml/2006/main">
+  <p:cSld>
+    <p:spTree>
+      <p:nvGrpSpPr>
+        <p:cNvPr id="1" name=""/>
+        <p:cNvGrpSpPr/>
+        <p:nvPr/>
+      </p:nvGrpSpPr>
+      <p:grpSpPr>
+        <a:xfrm>
+          <a:off x="0" y="0"/>
+          <a:ext cx="0" cy="0"/>
+          <a:chOff x="0" y="0"/>
+          <a:chExt cx="0" cy="0"/>
+        </a:xfrm>
+      </p:grpSpPr>
+      <p:sp>
+        <p:nvSpPr>
+          <p:cNvPr id="2" name="Title 1">
+            <a:extLst>
+              <a:ext uri="{FF2B5EF4-FFF2-40B4-BE49-F238E27FC236}">
+                <a16:creationId xmlns:a16="http://schemas.microsoft.com/office/drawing/2014/main" id="{0C8EED7A-97F3-4606-9A51-E9A84FAB1ABC}"/>
+              </a:ext>
+            </a:extLst>
+          </p:cNvPr>
+          <p:cNvSpPr>
+            <a:spLocks noGrp="1"/>
+          </p:cNvSpPr>
+          <p:nvPr>
+            <p:ph type="title"/>
+          </p:nvPr>
+        </p:nvSpPr>
+        <p:spPr/>
+        <p:txBody>
+          <a:bodyPr/>
+          <a:lstStyle/>
+          <a:p>
+            <a:r>
+              <a:rPr lang="en-US">
+                <a:latin typeface="Times New Roman" panose="02020603050405020304" pitchFamily="18" charset="0"/>
+                <a:cs typeface="Times New Roman" panose="02020603050405020304" pitchFamily="18" charset="0"/>
+              </a:rPr>
+              <a:t>7. Extend : Multiple</a:t>
+            </a:r>
+          </a:p>
+        </p:txBody>
+      </p:sp>
+      <p:sp>
+        <p:nvSpPr>
+          <p:cNvPr id="3" name="Content Placeholder 2">
+            <a:extLst>
+              <a:ext uri="{FF2B5EF4-FFF2-40B4-BE49-F238E27FC236}">
+                <a16:creationId xmlns:a16="http://schemas.microsoft.com/office/drawing/2014/main" id="{09750AEA-E00E-48C5-91CB-10DE180A2351}"/>
+              </a:ext>
+            </a:extLst>
+          </p:cNvPr>
+          <p:cNvSpPr>
+            <a:spLocks noGrp="1"/>
+          </p:cNvSpPr>
+          <p:nvPr>
+            <p:ph idx="1"/>
+          </p:nvPr>
+        </p:nvSpPr>
+        <p:spPr>
+          <a:xfrm>
+            <a:off x="1103312" y="2052918"/>
+            <a:ext cx="9683057" cy="4195481"/>
+          </a:xfrm>
+        </p:spPr>
+        <p:txBody>
+          <a:bodyPr/>
+          <a:lstStyle/>
+          <a:p>
+            <a:endParaRPr lang="en-US">
+              <a:latin typeface="Times New Roman" panose="02020603050405020304" pitchFamily="18" charset="0"/>
+              <a:cs typeface="Times New Roman" panose="02020603050405020304" pitchFamily="18" charset="0"/>
+            </a:endParaRPr>
+          </a:p>
+        </p:txBody>
+      </p:sp>
+      <p:pic>
+        <p:nvPicPr>
+          <p:cNvPr id="5" name="Picture 4">
+            <a:extLst>
+              <a:ext uri="{FF2B5EF4-FFF2-40B4-BE49-F238E27FC236}">
+                <a16:creationId xmlns:a16="http://schemas.microsoft.com/office/drawing/2014/main" id="{6C1F1690-BE1E-4F12-B621-F989A6A949C8}"/>
+              </a:ext>
+            </a:extLst>
+          </p:cNvPr>
+          <p:cNvPicPr>
+            <a:picLocks noChangeAspect="1"/>
+          </p:cNvPicPr>
+          <p:nvPr/>
+        </p:nvPicPr>
+        <p:blipFill>
+          <a:blip r:embed="rId2"/>
+          <a:stretch>
+            <a:fillRect/>
+          </a:stretch>
+        </p:blipFill>
+        <p:spPr>
+          <a:xfrm>
+            <a:off x="4076700" y="1327118"/>
+            <a:ext cx="4038600" cy="5400675"/>
+          </a:xfrm>
+          <a:prstGeom prst="rect">
+            <a:avLst/>
+          </a:prstGeom>
+        </p:spPr>
+      </p:pic>
+    </p:spTree>
+    <p:extLst>
+      <p:ext uri="{BB962C8B-B14F-4D97-AF65-F5344CB8AC3E}">
+        <p14:creationId xmlns:p14="http://schemas.microsoft.com/office/powerpoint/2010/main" val="2449572335"/>
+      </p:ext>
+    </p:extLst>
+  </p:cSld>
+  <p:clrMapOvr>
+    <a:masterClrMapping/>
+  </p:clrMapOvr>
+</p:sld>
+</file>
+
+<file path=ppt/slides/slide27.xml><?xml version="1.0" encoding="utf-8"?>
+<p:sld xmlns:a="http://schemas.openxmlformats.org/drawingml/2006/main" xmlns:r="http://schemas.openxmlformats.org/officeDocument/2006/relationships" xmlns:p="http://schemas.openxmlformats.org/presentationml/2006/main">
+  <p:cSld>
+    <p:spTree>
+      <p:nvGrpSpPr>
+        <p:cNvPr id="1" name=""/>
+        <p:cNvGrpSpPr/>
+        <p:nvPr/>
+      </p:nvGrpSpPr>
+      <p:grpSpPr>
+        <a:xfrm>
+          <a:off x="0" y="0"/>
+          <a:ext cx="0" cy="0"/>
+          <a:chOff x="0" y="0"/>
+          <a:chExt cx="0" cy="0"/>
+        </a:xfrm>
+      </p:grpSpPr>
+      <p:sp>
+        <p:nvSpPr>
+          <p:cNvPr id="2" name="Title 1">
+            <a:extLst>
+              <a:ext uri="{FF2B5EF4-FFF2-40B4-BE49-F238E27FC236}">
+                <a16:creationId xmlns:a16="http://schemas.microsoft.com/office/drawing/2014/main" id="{0C8EED7A-97F3-4606-9A51-E9A84FAB1ABC}"/>
+              </a:ext>
+            </a:extLst>
+          </p:cNvPr>
+          <p:cNvSpPr>
+            <a:spLocks noGrp="1"/>
+          </p:cNvSpPr>
+          <p:nvPr>
+            <p:ph type="title"/>
+          </p:nvPr>
+        </p:nvSpPr>
+        <p:spPr/>
+        <p:txBody>
+          <a:bodyPr/>
+          <a:lstStyle/>
+          <a:p>
+            <a:r>
+              <a:rPr lang="en-US">
+                <a:latin typeface="Times New Roman" panose="02020603050405020304" pitchFamily="18" charset="0"/>
+                <a:cs typeface="Times New Roman" panose="02020603050405020304" pitchFamily="18" charset="0"/>
+              </a:rPr>
+              <a:t>7. Extend : Chaining</a:t>
+            </a:r>
+          </a:p>
+        </p:txBody>
+      </p:sp>
+      <p:sp>
+        <p:nvSpPr>
+          <p:cNvPr id="3" name="Content Placeholder 2">
+            <a:extLst>
+              <a:ext uri="{FF2B5EF4-FFF2-40B4-BE49-F238E27FC236}">
+                <a16:creationId xmlns:a16="http://schemas.microsoft.com/office/drawing/2014/main" id="{09750AEA-E00E-48C5-91CB-10DE180A2351}"/>
+              </a:ext>
+            </a:extLst>
+          </p:cNvPr>
+          <p:cNvSpPr>
+            <a:spLocks noGrp="1"/>
+          </p:cNvSpPr>
+          <p:nvPr>
+            <p:ph idx="1"/>
+          </p:nvPr>
+        </p:nvSpPr>
+        <p:spPr>
+          <a:xfrm>
+            <a:off x="1103312" y="2052918"/>
+            <a:ext cx="9683057" cy="4195481"/>
+          </a:xfrm>
+        </p:spPr>
+        <p:txBody>
+          <a:bodyPr/>
+          <a:lstStyle/>
+          <a:p>
+            <a:endParaRPr lang="en-US">
+              <a:latin typeface="Times New Roman" panose="02020603050405020304" pitchFamily="18" charset="0"/>
+              <a:cs typeface="Times New Roman" panose="02020603050405020304" pitchFamily="18" charset="0"/>
+            </a:endParaRPr>
+          </a:p>
+        </p:txBody>
+      </p:sp>
+      <p:pic>
+        <p:nvPicPr>
+          <p:cNvPr id="4" name="Picture 3">
+            <a:extLst>
+              <a:ext uri="{FF2B5EF4-FFF2-40B4-BE49-F238E27FC236}">
+                <a16:creationId xmlns:a16="http://schemas.microsoft.com/office/drawing/2014/main" id="{A24B7B9F-6E97-41A5-9E9E-C448E0590BD1}"/>
+              </a:ext>
+            </a:extLst>
+          </p:cNvPr>
+          <p:cNvPicPr>
+            <a:picLocks noChangeAspect="1"/>
+          </p:cNvPicPr>
+          <p:nvPr/>
+        </p:nvPicPr>
+        <p:blipFill>
+          <a:blip r:embed="rId2"/>
+          <a:stretch>
+            <a:fillRect/>
+          </a:stretch>
+        </p:blipFill>
+        <p:spPr>
+          <a:xfrm>
+            <a:off x="5420558" y="152400"/>
+            <a:ext cx="4724400" cy="6553200"/>
+          </a:xfrm>
+          <a:prstGeom prst="rect">
+            <a:avLst/>
+          </a:prstGeom>
+        </p:spPr>
+      </p:pic>
+    </p:spTree>
+    <p:extLst>
+      <p:ext uri="{BB962C8B-B14F-4D97-AF65-F5344CB8AC3E}">
+        <p14:creationId xmlns:p14="http://schemas.microsoft.com/office/powerpoint/2010/main" val="3181083772"/>
+      </p:ext>
+    </p:extLst>
+  </p:cSld>
+  <p:clrMapOvr>
+    <a:masterClrMapping/>
+  </p:clrMapOvr>
+</p:sld>
+</file>
+
+<file path=ppt/slides/slide28.xml><?xml version="1.0" encoding="utf-8"?>
+<p:sld xmlns:a="http://schemas.openxmlformats.org/drawingml/2006/main" xmlns:r="http://schemas.openxmlformats.org/officeDocument/2006/relationships" xmlns:p="http://schemas.openxmlformats.org/presentationml/2006/main">
+  <p:cSld>
+    <p:spTree>
+      <p:nvGrpSpPr>
+        <p:cNvPr id="1" name=""/>
+        <p:cNvGrpSpPr/>
+        <p:nvPr/>
+      </p:nvGrpSpPr>
+      <p:grpSpPr>
+        <a:xfrm>
+          <a:off x="0" y="0"/>
+          <a:ext cx="0" cy="0"/>
+          <a:chOff x="0" y="0"/>
+          <a:chExt cx="0" cy="0"/>
+        </a:xfrm>
+      </p:grpSpPr>
+      <p:sp>
+        <p:nvSpPr>
+          <p:cNvPr id="2" name="Title 1">
+            <a:extLst>
+              <a:ext uri="{FF2B5EF4-FFF2-40B4-BE49-F238E27FC236}">
+                <a16:creationId xmlns:a16="http://schemas.microsoft.com/office/drawing/2014/main" id="{0C8EED7A-97F3-4606-9A51-E9A84FAB1ABC}"/>
+              </a:ext>
+            </a:extLst>
+          </p:cNvPr>
+          <p:cNvSpPr>
+            <a:spLocks noGrp="1"/>
+          </p:cNvSpPr>
+          <p:nvPr>
+            <p:ph type="title"/>
+          </p:nvPr>
+        </p:nvSpPr>
+        <p:spPr/>
+        <p:txBody>
+          <a:bodyPr/>
+          <a:lstStyle/>
+          <a:p>
+            <a:r>
+              <a:rPr lang="en-US">
+                <a:latin typeface="Times New Roman" panose="02020603050405020304" pitchFamily="18" charset="0"/>
+                <a:cs typeface="Times New Roman" panose="02020603050405020304" pitchFamily="18" charset="0"/>
+              </a:rPr>
+              <a:t>7. Extend : Selector Sequences</a:t>
+            </a:r>
+          </a:p>
+        </p:txBody>
+      </p:sp>
+      <p:sp>
+        <p:nvSpPr>
+          <p:cNvPr id="3" name="Content Placeholder 2">
+            <a:extLst>
+              <a:ext uri="{FF2B5EF4-FFF2-40B4-BE49-F238E27FC236}">
+                <a16:creationId xmlns:a16="http://schemas.microsoft.com/office/drawing/2014/main" id="{09750AEA-E00E-48C5-91CB-10DE180A2351}"/>
+              </a:ext>
+            </a:extLst>
+          </p:cNvPr>
+          <p:cNvSpPr>
+            <a:spLocks noGrp="1"/>
+          </p:cNvSpPr>
+          <p:nvPr>
+            <p:ph idx="1"/>
+          </p:nvPr>
+        </p:nvSpPr>
+        <p:spPr>
+          <a:xfrm>
+            <a:off x="1103312" y="2052918"/>
+            <a:ext cx="9683057" cy="4195481"/>
+          </a:xfrm>
+        </p:spPr>
+        <p:txBody>
+          <a:bodyPr/>
+          <a:lstStyle/>
+          <a:p>
+            <a:endParaRPr lang="en-US">
+              <a:latin typeface="Times New Roman" panose="02020603050405020304" pitchFamily="18" charset="0"/>
+              <a:cs typeface="Times New Roman" panose="02020603050405020304" pitchFamily="18" charset="0"/>
+            </a:endParaRPr>
+          </a:p>
+        </p:txBody>
+      </p:sp>
+      <p:pic>
+        <p:nvPicPr>
+          <p:cNvPr id="5" name="Picture 4">
+            <a:extLst>
+              <a:ext uri="{FF2B5EF4-FFF2-40B4-BE49-F238E27FC236}">
+                <a16:creationId xmlns:a16="http://schemas.microsoft.com/office/drawing/2014/main" id="{91111B8E-1C59-43A6-908A-41D47C1D0C02}"/>
+              </a:ext>
+            </a:extLst>
+          </p:cNvPr>
+          <p:cNvPicPr>
+            <a:picLocks noChangeAspect="1"/>
+          </p:cNvPicPr>
+          <p:nvPr/>
+        </p:nvPicPr>
+        <p:blipFill>
+          <a:blip r:embed="rId2"/>
+          <a:stretch>
+            <a:fillRect/>
+          </a:stretch>
+        </p:blipFill>
+        <p:spPr>
+          <a:xfrm>
+            <a:off x="3005137" y="2085974"/>
+            <a:ext cx="6181725" cy="4162425"/>
+          </a:xfrm>
+          <a:prstGeom prst="rect">
+            <a:avLst/>
+          </a:prstGeom>
+        </p:spPr>
+      </p:pic>
+    </p:spTree>
+    <p:extLst>
+      <p:ext uri="{BB962C8B-B14F-4D97-AF65-F5344CB8AC3E}">
+        <p14:creationId xmlns:p14="http://schemas.microsoft.com/office/powerpoint/2010/main" val="1595278826"/>
+      </p:ext>
+    </p:extLst>
+  </p:cSld>
+  <p:clrMapOvr>
+    <a:masterClrMapping/>
+  </p:clrMapOvr>
+</p:sld>
+</file>
+
+<file path=ppt/slides/slide29.xml><?xml version="1.0" encoding="utf-8"?>
+<p:sld xmlns:a="http://schemas.openxmlformats.org/drawingml/2006/main" xmlns:r="http://schemas.openxmlformats.org/officeDocument/2006/relationships" xmlns:p="http://schemas.openxmlformats.org/presentationml/2006/main">
+  <p:cSld>
+    <p:spTree>
+      <p:nvGrpSpPr>
+        <p:cNvPr id="1" name=""/>
+        <p:cNvGrpSpPr/>
+        <p:nvPr/>
+      </p:nvGrpSpPr>
+      <p:grpSpPr>
+        <a:xfrm>
+          <a:off x="0" y="0"/>
+          <a:ext cx="0" cy="0"/>
+          <a:chOff x="0" y="0"/>
+          <a:chExt cx="0" cy="0"/>
+        </a:xfrm>
+      </p:grpSpPr>
+      <p:sp>
+        <p:nvSpPr>
+          <p:cNvPr id="2" name="Title 1">
+            <a:extLst>
+              <a:ext uri="{FF2B5EF4-FFF2-40B4-BE49-F238E27FC236}">
+                <a16:creationId xmlns:a16="http://schemas.microsoft.com/office/drawing/2014/main" id="{0C8EED7A-97F3-4606-9A51-E9A84FAB1ABC}"/>
+              </a:ext>
+            </a:extLst>
+          </p:cNvPr>
+          <p:cNvSpPr>
+            <a:spLocks noGrp="1"/>
+          </p:cNvSpPr>
+          <p:nvPr>
+            <p:ph type="title"/>
+          </p:nvPr>
+        </p:nvSpPr>
+        <p:spPr/>
+        <p:txBody>
+          <a:bodyPr/>
+          <a:lstStyle/>
+          <a:p>
+            <a:r>
+              <a:rPr lang="en-US">
+                <a:latin typeface="Times New Roman" panose="02020603050405020304" pitchFamily="18" charset="0"/>
+                <a:cs typeface="Times New Roman" panose="02020603050405020304" pitchFamily="18" charset="0"/>
+              </a:rPr>
+              <a:t>7. Extend : Merging Selector Sequences</a:t>
+            </a:r>
+          </a:p>
+        </p:txBody>
+      </p:sp>
+      <p:sp>
+        <p:nvSpPr>
+          <p:cNvPr id="3" name="Content Placeholder 2">
+            <a:extLst>
+              <a:ext uri="{FF2B5EF4-FFF2-40B4-BE49-F238E27FC236}">
+                <a16:creationId xmlns:a16="http://schemas.microsoft.com/office/drawing/2014/main" id="{09750AEA-E00E-48C5-91CB-10DE180A2351}"/>
+              </a:ext>
+            </a:extLst>
+          </p:cNvPr>
+          <p:cNvSpPr>
+            <a:spLocks noGrp="1"/>
+          </p:cNvSpPr>
+          <p:nvPr>
+            <p:ph idx="1"/>
+          </p:nvPr>
+        </p:nvSpPr>
+        <p:spPr>
+          <a:xfrm>
+            <a:off x="1103312" y="2052918"/>
+            <a:ext cx="9683057" cy="4195481"/>
+          </a:xfrm>
+        </p:spPr>
+        <p:txBody>
+          <a:bodyPr/>
+          <a:lstStyle/>
+          <a:p>
+            <a:endParaRPr lang="en-US">
+              <a:latin typeface="Times New Roman" panose="02020603050405020304" pitchFamily="18" charset="0"/>
+              <a:cs typeface="Times New Roman" panose="02020603050405020304" pitchFamily="18" charset="0"/>
+            </a:endParaRPr>
+          </a:p>
+        </p:txBody>
+      </p:sp>
+      <p:pic>
+        <p:nvPicPr>
+          <p:cNvPr id="4" name="Picture 3">
+            <a:extLst>
+              <a:ext uri="{FF2B5EF4-FFF2-40B4-BE49-F238E27FC236}">
+                <a16:creationId xmlns:a16="http://schemas.microsoft.com/office/drawing/2014/main" id="{54C920AC-CE6D-4EB1-9C56-2C447DF12A41}"/>
+              </a:ext>
+            </a:extLst>
+          </p:cNvPr>
+          <p:cNvPicPr>
+            <a:picLocks noChangeAspect="1"/>
+          </p:cNvPicPr>
+          <p:nvPr/>
+        </p:nvPicPr>
+        <p:blipFill>
+          <a:blip r:embed="rId2"/>
+          <a:stretch>
+            <a:fillRect/>
+          </a:stretch>
+        </p:blipFill>
+        <p:spPr>
+          <a:xfrm>
+            <a:off x="3692177" y="2766735"/>
+            <a:ext cx="4505325" cy="2638425"/>
+          </a:xfrm>
+          <a:prstGeom prst="rect">
+            <a:avLst/>
+          </a:prstGeom>
+        </p:spPr>
+      </p:pic>
+    </p:spTree>
+    <p:extLst>
+      <p:ext uri="{BB962C8B-B14F-4D97-AF65-F5344CB8AC3E}">
+        <p14:creationId xmlns:p14="http://schemas.microsoft.com/office/powerpoint/2010/main" val="758148209"/>
+      </p:ext>
+    </p:extLst>
+  </p:cSld>
+  <p:clrMapOvr>
+    <a:masterClrMapping/>
+  </p:clrMapOvr>
+</p:sld>
+</file>
+
 <file path=ppt/slides/slide3.xml><?xml version="1.0" encoding="utf-8"?>
 <p:sld xmlns:a="http://schemas.openxmlformats.org/drawingml/2006/main" xmlns:r="http://schemas.openxmlformats.org/officeDocument/2006/relationships" xmlns:p="http://schemas.openxmlformats.org/presentationml/2006/main">
   <p:cSld>
@@ -8930,6 +10101,393 @@
     <p:extLst>
       <p:ext uri="{BB962C8B-B14F-4D97-AF65-F5344CB8AC3E}">
         <p14:creationId xmlns:p14="http://schemas.microsoft.com/office/powerpoint/2010/main" val="269196403"/>
+      </p:ext>
+    </p:extLst>
+  </p:cSld>
+  <p:clrMapOvr>
+    <a:masterClrMapping/>
+  </p:clrMapOvr>
+</p:sld>
+</file>
+
+<file path=ppt/slides/slide30.xml><?xml version="1.0" encoding="utf-8"?>
+<p:sld xmlns:a="http://schemas.openxmlformats.org/drawingml/2006/main" xmlns:r="http://schemas.openxmlformats.org/officeDocument/2006/relationships" xmlns:p="http://schemas.openxmlformats.org/presentationml/2006/main">
+  <p:cSld>
+    <p:spTree>
+      <p:nvGrpSpPr>
+        <p:cNvPr id="1" name=""/>
+        <p:cNvGrpSpPr/>
+        <p:nvPr/>
+      </p:nvGrpSpPr>
+      <p:grpSpPr>
+        <a:xfrm>
+          <a:off x="0" y="0"/>
+          <a:ext cx="0" cy="0"/>
+          <a:chOff x="0" y="0"/>
+          <a:chExt cx="0" cy="0"/>
+        </a:xfrm>
+      </p:grpSpPr>
+      <p:sp>
+        <p:nvSpPr>
+          <p:cNvPr id="2" name="Title 1">
+            <a:extLst>
+              <a:ext uri="{FF2B5EF4-FFF2-40B4-BE49-F238E27FC236}">
+                <a16:creationId xmlns:a16="http://schemas.microsoft.com/office/drawing/2014/main" id="{0C8EED7A-97F3-4606-9A51-E9A84FAB1ABC}"/>
+              </a:ext>
+            </a:extLst>
+          </p:cNvPr>
+          <p:cNvSpPr>
+            <a:spLocks noGrp="1"/>
+          </p:cNvSpPr>
+          <p:nvPr>
+            <p:ph type="title"/>
+          </p:nvPr>
+        </p:nvSpPr>
+        <p:spPr/>
+        <p:txBody>
+          <a:bodyPr/>
+          <a:lstStyle/>
+          <a:p>
+            <a:r>
+              <a:rPr lang="en-US">
+                <a:latin typeface="Times New Roman" panose="02020603050405020304" pitchFamily="18" charset="0"/>
+                <a:cs typeface="Times New Roman" panose="02020603050405020304" pitchFamily="18" charset="0"/>
+              </a:rPr>
+              <a:t>8. Mixins</a:t>
+            </a:r>
+          </a:p>
+        </p:txBody>
+      </p:sp>
+      <p:sp>
+        <p:nvSpPr>
+          <p:cNvPr id="3" name="Content Placeholder 2">
+            <a:extLst>
+              <a:ext uri="{FF2B5EF4-FFF2-40B4-BE49-F238E27FC236}">
+                <a16:creationId xmlns:a16="http://schemas.microsoft.com/office/drawing/2014/main" id="{09750AEA-E00E-48C5-91CB-10DE180A2351}"/>
+              </a:ext>
+            </a:extLst>
+          </p:cNvPr>
+          <p:cNvSpPr>
+            <a:spLocks noGrp="1"/>
+          </p:cNvSpPr>
+          <p:nvPr>
+            <p:ph idx="1"/>
+          </p:nvPr>
+        </p:nvSpPr>
+        <p:spPr>
+          <a:xfrm>
+            <a:off x="1103312" y="2052918"/>
+            <a:ext cx="9683057" cy="4195481"/>
+          </a:xfrm>
+        </p:spPr>
+        <p:txBody>
+          <a:bodyPr/>
+          <a:lstStyle/>
+          <a:p>
+            <a:r>
+              <a:rPr lang="en-US">
+                <a:latin typeface="Times New Roman" panose="02020603050405020304" pitchFamily="18" charset="0"/>
+                <a:cs typeface="Times New Roman" panose="02020603050405020304" pitchFamily="18" charset="0"/>
+              </a:rPr>
+              <a:t>Khai báo : @mixin</a:t>
+            </a:r>
+          </a:p>
+          <a:p>
+            <a:r>
+              <a:rPr lang="en-US">
+                <a:latin typeface="Times New Roman" panose="02020603050405020304" pitchFamily="18" charset="0"/>
+                <a:cs typeface="Times New Roman" panose="02020603050405020304" pitchFamily="18" charset="0"/>
+              </a:rPr>
+              <a:t>Sử dụng  : @include</a:t>
+            </a:r>
+          </a:p>
+          <a:p>
+            <a:r>
+              <a:rPr lang="en-US">
+                <a:latin typeface="Times New Roman" panose="02020603050405020304" pitchFamily="18" charset="0"/>
+                <a:cs typeface="Times New Roman" panose="02020603050405020304" pitchFamily="18" charset="0"/>
+              </a:rPr>
+              <a:t>Mục đích : nh</a:t>
+            </a:r>
+            <a:r>
+              <a:rPr lang="vi-VN">
+                <a:latin typeface="Times New Roman" panose="02020603050405020304" pitchFamily="18" charset="0"/>
+                <a:cs typeface="Times New Roman" panose="02020603050405020304" pitchFamily="18" charset="0"/>
+              </a:rPr>
+              <a:t>ư</a:t>
+            </a:r>
+            <a:r>
+              <a:rPr lang="en-US">
+                <a:latin typeface="Times New Roman" panose="02020603050405020304" pitchFamily="18" charset="0"/>
+                <a:cs typeface="Times New Roman" panose="02020603050405020304" pitchFamily="18" charset="0"/>
+              </a:rPr>
+              <a:t> @extend và cho phép truyền tham số, khác @function ở chỗ là không có trả về.</a:t>
+            </a:r>
+          </a:p>
+          <a:p>
+            <a:r>
+              <a:rPr lang="en-US">
+                <a:latin typeface="Times New Roman" panose="02020603050405020304" pitchFamily="18" charset="0"/>
+                <a:cs typeface="Times New Roman" panose="02020603050405020304" pitchFamily="18" charset="0"/>
+              </a:rPr>
+              <a:t>Kết hợp các Mixins</a:t>
+            </a:r>
+          </a:p>
+        </p:txBody>
+      </p:sp>
+      <p:pic>
+        <p:nvPicPr>
+          <p:cNvPr id="5" name="Picture 4">
+            <a:extLst>
+              <a:ext uri="{FF2B5EF4-FFF2-40B4-BE49-F238E27FC236}">
+                <a16:creationId xmlns:a16="http://schemas.microsoft.com/office/drawing/2014/main" id="{131DB66D-406C-43F7-BA5A-7F8D145011DB}"/>
+              </a:ext>
+            </a:extLst>
+          </p:cNvPr>
+          <p:cNvPicPr>
+            <a:picLocks noChangeAspect="1"/>
+          </p:cNvPicPr>
+          <p:nvPr/>
+        </p:nvPicPr>
+        <p:blipFill>
+          <a:blip r:embed="rId2"/>
+          <a:stretch>
+            <a:fillRect/>
+          </a:stretch>
+        </p:blipFill>
+        <p:spPr>
+          <a:xfrm>
+            <a:off x="7137784" y="3005554"/>
+            <a:ext cx="4219575" cy="3781425"/>
+          </a:xfrm>
+          <a:prstGeom prst="rect">
+            <a:avLst/>
+          </a:prstGeom>
+        </p:spPr>
+      </p:pic>
+    </p:spTree>
+    <p:extLst>
+      <p:ext uri="{BB962C8B-B14F-4D97-AF65-F5344CB8AC3E}">
+        <p14:creationId xmlns:p14="http://schemas.microsoft.com/office/powerpoint/2010/main" val="1628547857"/>
+      </p:ext>
+    </p:extLst>
+  </p:cSld>
+  <p:clrMapOvr>
+    <a:masterClrMapping/>
+  </p:clrMapOvr>
+</p:sld>
+</file>
+
+<file path=ppt/slides/slide31.xml><?xml version="1.0" encoding="utf-8"?>
+<p:sld xmlns:a="http://schemas.openxmlformats.org/drawingml/2006/main" xmlns:r="http://schemas.openxmlformats.org/officeDocument/2006/relationships" xmlns:p="http://schemas.openxmlformats.org/presentationml/2006/main">
+  <p:cSld>
+    <p:spTree>
+      <p:nvGrpSpPr>
+        <p:cNvPr id="1" name=""/>
+        <p:cNvGrpSpPr/>
+        <p:nvPr/>
+      </p:nvGrpSpPr>
+      <p:grpSpPr>
+        <a:xfrm>
+          <a:off x="0" y="0"/>
+          <a:ext cx="0" cy="0"/>
+          <a:chOff x="0" y="0"/>
+          <a:chExt cx="0" cy="0"/>
+        </a:xfrm>
+      </p:grpSpPr>
+      <p:sp>
+        <p:nvSpPr>
+          <p:cNvPr id="2" name="Title 1">
+            <a:extLst>
+              <a:ext uri="{FF2B5EF4-FFF2-40B4-BE49-F238E27FC236}">
+                <a16:creationId xmlns:a16="http://schemas.microsoft.com/office/drawing/2014/main" id="{0C8EED7A-97F3-4606-9A51-E9A84FAB1ABC}"/>
+              </a:ext>
+            </a:extLst>
+          </p:cNvPr>
+          <p:cNvSpPr>
+            <a:spLocks noGrp="1"/>
+          </p:cNvSpPr>
+          <p:nvPr>
+            <p:ph type="title"/>
+          </p:nvPr>
+        </p:nvSpPr>
+        <p:spPr/>
+        <p:txBody>
+          <a:bodyPr/>
+          <a:lstStyle/>
+          <a:p>
+            <a:r>
+              <a:rPr lang="en-US">
+                <a:latin typeface="Times New Roman" panose="02020603050405020304" pitchFamily="18" charset="0"/>
+                <a:cs typeface="Times New Roman" panose="02020603050405020304" pitchFamily="18" charset="0"/>
+              </a:rPr>
+              <a:t>8. Mixins : có tham số</a:t>
+            </a:r>
+          </a:p>
+        </p:txBody>
+      </p:sp>
+      <p:sp>
+        <p:nvSpPr>
+          <p:cNvPr id="3" name="Content Placeholder 2">
+            <a:extLst>
+              <a:ext uri="{FF2B5EF4-FFF2-40B4-BE49-F238E27FC236}">
+                <a16:creationId xmlns:a16="http://schemas.microsoft.com/office/drawing/2014/main" id="{09750AEA-E00E-48C5-91CB-10DE180A2351}"/>
+              </a:ext>
+            </a:extLst>
+          </p:cNvPr>
+          <p:cNvSpPr>
+            <a:spLocks noGrp="1"/>
+          </p:cNvSpPr>
+          <p:nvPr>
+            <p:ph idx="1"/>
+          </p:nvPr>
+        </p:nvSpPr>
+        <p:spPr>
+          <a:xfrm>
+            <a:off x="1094434" y="1715567"/>
+            <a:ext cx="9683057" cy="4195481"/>
+          </a:xfrm>
+        </p:spPr>
+        <p:txBody>
+          <a:bodyPr/>
+          <a:lstStyle/>
+          <a:p>
+            <a:r>
+              <a:rPr lang="en-US">
+                <a:latin typeface="Times New Roman" panose="02020603050405020304" pitchFamily="18" charset="0"/>
+                <a:cs typeface="Times New Roman" panose="02020603050405020304" pitchFamily="18" charset="0"/>
+              </a:rPr>
+              <a:t>Có tham số đầu vào và có thể thiết lập giá trị mặc định.</a:t>
+            </a:r>
+          </a:p>
+          <a:p>
+            <a:r>
+              <a:rPr lang="en-US">
+                <a:latin typeface="Times New Roman" panose="02020603050405020304" pitchFamily="18" charset="0"/>
+                <a:cs typeface="Times New Roman" panose="02020603050405020304" pitchFamily="18" charset="0"/>
+              </a:rPr>
+              <a:t>Không có đầu ra, mà chỉ thiết lập thuộc tính SCSS.</a:t>
+            </a:r>
+          </a:p>
+          <a:p>
+            <a:r>
+              <a:rPr lang="en-US">
+                <a:latin typeface="Times New Roman" panose="02020603050405020304" pitchFamily="18" charset="0"/>
+                <a:cs typeface="Times New Roman" panose="02020603050405020304" pitchFamily="18" charset="0"/>
+              </a:rPr>
+              <a:t>Dùng dấu ... để truyền nhiều giá trị.</a:t>
+            </a:r>
+          </a:p>
+        </p:txBody>
+      </p:sp>
+      <p:pic>
+        <p:nvPicPr>
+          <p:cNvPr id="6" name="Picture 5">
+            <a:extLst>
+              <a:ext uri="{FF2B5EF4-FFF2-40B4-BE49-F238E27FC236}">
+                <a16:creationId xmlns:a16="http://schemas.microsoft.com/office/drawing/2014/main" id="{64A04604-75CB-46EA-A13F-A349A467675F}"/>
+              </a:ext>
+            </a:extLst>
+          </p:cNvPr>
+          <p:cNvPicPr>
+            <a:picLocks noChangeAspect="1"/>
+          </p:cNvPicPr>
+          <p:nvPr/>
+        </p:nvPicPr>
+        <p:blipFill>
+          <a:blip r:embed="rId2"/>
+          <a:stretch>
+            <a:fillRect/>
+          </a:stretch>
+        </p:blipFill>
+        <p:spPr>
+          <a:xfrm>
+            <a:off x="6334810" y="3003750"/>
+            <a:ext cx="5800725" cy="3762375"/>
+          </a:xfrm>
+          <a:prstGeom prst="rect">
+            <a:avLst/>
+          </a:prstGeom>
+        </p:spPr>
+      </p:pic>
+      <p:pic>
+        <p:nvPicPr>
+          <p:cNvPr id="7" name="Picture 6">
+            <a:extLst>
+              <a:ext uri="{FF2B5EF4-FFF2-40B4-BE49-F238E27FC236}">
+                <a16:creationId xmlns:a16="http://schemas.microsoft.com/office/drawing/2014/main" id="{D1B305F5-2FA2-4369-B143-81BEEFCC1E57}"/>
+              </a:ext>
+            </a:extLst>
+          </p:cNvPr>
+          <p:cNvPicPr>
+            <a:picLocks noChangeAspect="1"/>
+          </p:cNvPicPr>
+          <p:nvPr/>
+        </p:nvPicPr>
+        <p:blipFill>
+          <a:blip r:embed="rId3"/>
+          <a:stretch>
+            <a:fillRect/>
+          </a:stretch>
+        </p:blipFill>
+        <p:spPr>
+          <a:xfrm>
+            <a:off x="1094434" y="3175200"/>
+            <a:ext cx="3314700" cy="3590925"/>
+          </a:xfrm>
+          <a:prstGeom prst="rect">
+            <a:avLst/>
+          </a:prstGeom>
+        </p:spPr>
+      </p:pic>
+      <p:sp>
+        <p:nvSpPr>
+          <p:cNvPr id="8" name="Arrow: Right 7">
+            <a:extLst>
+              <a:ext uri="{FF2B5EF4-FFF2-40B4-BE49-F238E27FC236}">
+                <a16:creationId xmlns:a16="http://schemas.microsoft.com/office/drawing/2014/main" id="{50CD1040-2853-4679-B26F-26DBE804BAF0}"/>
+              </a:ext>
+            </a:extLst>
+          </p:cNvPr>
+          <p:cNvSpPr/>
+          <p:nvPr/>
+        </p:nvSpPr>
+        <p:spPr>
+          <a:xfrm>
+            <a:off x="4900365" y="4474346"/>
+            <a:ext cx="1009095" cy="692458"/>
+          </a:xfrm>
+          <a:prstGeom prst="rightArrow">
+            <a:avLst/>
+          </a:prstGeom>
+        </p:spPr>
+        <p:style>
+          <a:lnRef idx="0">
+            <a:schemeClr val="accent4"/>
+          </a:lnRef>
+          <a:fillRef idx="3">
+            <a:schemeClr val="accent4"/>
+          </a:fillRef>
+          <a:effectRef idx="3">
+            <a:schemeClr val="accent4"/>
+          </a:effectRef>
+          <a:fontRef idx="minor">
+            <a:schemeClr val="lt1"/>
+          </a:fontRef>
+        </p:style>
+        <p:txBody>
+          <a:bodyPr rtlCol="0" anchor="ctr"/>
+          <a:lstStyle/>
+          <a:p>
+            <a:pPr algn="ctr"/>
+            <a:endParaRPr lang="en-US"/>
+          </a:p>
+        </p:txBody>
+      </p:sp>
+    </p:spTree>
+    <p:extLst>
+      <p:ext uri="{BB962C8B-B14F-4D97-AF65-F5344CB8AC3E}">
+        <p14:creationId xmlns:p14="http://schemas.microsoft.com/office/powerpoint/2010/main" val="637236239"/>
       </p:ext>
     </p:extLst>
   </p:cSld>

--- a/SASS.pptx
+++ b/SASS.pptx
@@ -332,7 +332,7 @@
           <a:p>
             <a:fld id="{C8743019-FAB1-4FBC-82B3-B9BB78B69C50}" type="datetimeFigureOut">
               <a:rPr lang="en-US" smtClean="0"/>
-              <a:t>27/11/2017</a:t>
+              <a:t>28/11/2017</a:t>
             </a:fld>
             <a:endParaRPr lang="en-US"/>
           </a:p>
@@ -607,7 +607,7 @@
           <a:p>
             <a:fld id="{C8743019-FAB1-4FBC-82B3-B9BB78B69C50}" type="datetimeFigureOut">
               <a:rPr lang="en-US" smtClean="0"/>
-              <a:t>27/11/2017</a:t>
+              <a:t>28/11/2017</a:t>
             </a:fld>
             <a:endParaRPr lang="en-US"/>
           </a:p>
@@ -801,7 +801,7 @@
           <a:p>
             <a:fld id="{C8743019-FAB1-4FBC-82B3-B9BB78B69C50}" type="datetimeFigureOut">
               <a:rPr lang="en-US" smtClean="0"/>
-              <a:t>27/11/2017</a:t>
+              <a:t>28/11/2017</a:t>
             </a:fld>
             <a:endParaRPr lang="en-US"/>
           </a:p>
@@ -1074,7 +1074,7 @@
           <a:p>
             <a:fld id="{C8743019-FAB1-4FBC-82B3-B9BB78B69C50}" type="datetimeFigureOut">
               <a:rPr lang="en-US" smtClean="0"/>
-              <a:t>27/11/2017</a:t>
+              <a:t>28/11/2017</a:t>
             </a:fld>
             <a:endParaRPr lang="en-US"/>
           </a:p>
@@ -1415,7 +1415,7 @@
           <a:p>
             <a:fld id="{C8743019-FAB1-4FBC-82B3-B9BB78B69C50}" type="datetimeFigureOut">
               <a:rPr lang="en-US" smtClean="0"/>
-              <a:t>27/11/2017</a:t>
+              <a:t>28/11/2017</a:t>
             </a:fld>
             <a:endParaRPr lang="en-US"/>
           </a:p>
@@ -2038,7 +2038,7 @@
           <a:p>
             <a:fld id="{C8743019-FAB1-4FBC-82B3-B9BB78B69C50}" type="datetimeFigureOut">
               <a:rPr lang="en-US" smtClean="0"/>
-              <a:t>27/11/2017</a:t>
+              <a:t>28/11/2017</a:t>
             </a:fld>
             <a:endParaRPr lang="en-US"/>
           </a:p>
@@ -2898,7 +2898,7 @@
           <a:p>
             <a:fld id="{C8743019-FAB1-4FBC-82B3-B9BB78B69C50}" type="datetimeFigureOut">
               <a:rPr lang="en-US" smtClean="0"/>
-              <a:t>27/11/2017</a:t>
+              <a:t>28/11/2017</a:t>
             </a:fld>
             <a:endParaRPr lang="en-US"/>
           </a:p>
@@ -3068,7 +3068,7 @@
           <a:p>
             <a:fld id="{C8743019-FAB1-4FBC-82B3-B9BB78B69C50}" type="datetimeFigureOut">
               <a:rPr lang="en-US" smtClean="0"/>
-              <a:t>27/11/2017</a:t>
+              <a:t>28/11/2017</a:t>
             </a:fld>
             <a:endParaRPr lang="en-US"/>
           </a:p>
@@ -3248,7 +3248,7 @@
           <a:p>
             <a:fld id="{C8743019-FAB1-4FBC-82B3-B9BB78B69C50}" type="datetimeFigureOut">
               <a:rPr lang="en-US" smtClean="0"/>
-              <a:t>27/11/2017</a:t>
+              <a:t>28/11/2017</a:t>
             </a:fld>
             <a:endParaRPr lang="en-US"/>
           </a:p>
@@ -3418,7 +3418,7 @@
           <a:p>
             <a:fld id="{C8743019-FAB1-4FBC-82B3-B9BB78B69C50}" type="datetimeFigureOut">
               <a:rPr lang="en-US" smtClean="0"/>
-              <a:t>27/11/2017</a:t>
+              <a:t>28/11/2017</a:t>
             </a:fld>
             <a:endParaRPr lang="en-US"/>
           </a:p>
@@ -3665,7 +3665,7 @@
           <a:p>
             <a:fld id="{C8743019-FAB1-4FBC-82B3-B9BB78B69C50}" type="datetimeFigureOut">
               <a:rPr lang="en-US" smtClean="0"/>
-              <a:t>27/11/2017</a:t>
+              <a:t>28/11/2017</a:t>
             </a:fld>
             <a:endParaRPr lang="en-US"/>
           </a:p>
@@ -3957,7 +3957,7 @@
           <a:p>
             <a:fld id="{C8743019-FAB1-4FBC-82B3-B9BB78B69C50}" type="datetimeFigureOut">
               <a:rPr lang="en-US" smtClean="0"/>
-              <a:t>27/11/2017</a:t>
+              <a:t>28/11/2017</a:t>
             </a:fld>
             <a:endParaRPr lang="en-US"/>
           </a:p>
@@ -4401,7 +4401,7 @@
           <a:p>
             <a:fld id="{C8743019-FAB1-4FBC-82B3-B9BB78B69C50}" type="datetimeFigureOut">
               <a:rPr lang="en-US" smtClean="0"/>
-              <a:t>27/11/2017</a:t>
+              <a:t>28/11/2017</a:t>
             </a:fld>
             <a:endParaRPr lang="en-US"/>
           </a:p>
@@ -4519,7 +4519,7 @@
           <a:p>
             <a:fld id="{C8743019-FAB1-4FBC-82B3-B9BB78B69C50}" type="datetimeFigureOut">
               <a:rPr lang="en-US" smtClean="0"/>
-              <a:t>27/11/2017</a:t>
+              <a:t>28/11/2017</a:t>
             </a:fld>
             <a:endParaRPr lang="en-US"/>
           </a:p>
@@ -4614,7 +4614,7 @@
           <a:p>
             <a:fld id="{C8743019-FAB1-4FBC-82B3-B9BB78B69C50}" type="datetimeFigureOut">
               <a:rPr lang="en-US" smtClean="0"/>
-              <a:t>27/11/2017</a:t>
+              <a:t>28/11/2017</a:t>
             </a:fld>
             <a:endParaRPr lang="en-US"/>
           </a:p>
@@ -4893,7 +4893,7 @@
           <a:p>
             <a:fld id="{C8743019-FAB1-4FBC-82B3-B9BB78B69C50}" type="datetimeFigureOut">
               <a:rPr lang="en-US" smtClean="0"/>
-              <a:t>27/11/2017</a:t>
+              <a:t>28/11/2017</a:t>
             </a:fld>
             <a:endParaRPr lang="en-US"/>
           </a:p>
@@ -5168,7 +5168,7 @@
           <a:p>
             <a:fld id="{C8743019-FAB1-4FBC-82B3-B9BB78B69C50}" type="datetimeFigureOut">
               <a:rPr lang="en-US" smtClean="0"/>
-              <a:t>27/11/2017</a:t>
+              <a:t>28/11/2017</a:t>
             </a:fld>
             <a:endParaRPr lang="en-US"/>
           </a:p>
@@ -5597,7 +5597,7 @@
           <a:p>
             <a:fld id="{C8743019-FAB1-4FBC-82B3-B9BB78B69C50}" type="datetimeFigureOut">
               <a:rPr lang="en-US" smtClean="0"/>
-              <a:t>27/11/2017</a:t>
+              <a:t>28/11/2017</a:t>
             </a:fld>
             <a:endParaRPr lang="en-US"/>
           </a:p>
@@ -10785,7 +10785,7 @@
                 <a:latin typeface="Times New Roman" panose="02020603050405020304" pitchFamily="18" charset="0"/>
                 <a:cs typeface="Times New Roman" panose="02020603050405020304" pitchFamily="18" charset="0"/>
               </a:rPr>
-              <a:t> – Format : cách việt css thông th</a:t>
+              <a:t> – Format : cách viết css thông th</a:t>
             </a:r>
             <a:r>
               <a:rPr lang="vi-VN">
